--- a/Project presentation.pptx
+++ b/Project presentation.pptx
@@ -5967,7 +5967,27 @@
             </a:pPr>
             <a:r>
               <a:rPr lang="en" sz="1200"/>
-              <a:t>The web app relies on the Flask API network, packages (XXXXX), and XXX.</a:t>
+              <a:t>The web app relies on the Flask API network, packages WTForms, requests (SQL), mysql-connector, and mysql-connector-python for the front-end.</a:t>
+            </a:r>
+            <a:endParaRPr sz="1200"/>
+          </a:p>
+          <a:p>
+            <a:pPr indent="0" lvl="0" marL="0" rtl="0" algn="l">
+              <a:spcBef>
+                <a:spcPts val="600"/>
+              </a:spcBef>
+              <a:spcAft>
+                <a:spcPts val="0"/>
+              </a:spcAft>
+              <a:buClr>
+                <a:schemeClr val="dk1"/>
+              </a:buClr>
+              <a:buSzPts val="1100"/>
+              <a:buFont typeface="Arial"/>
+              <a:buNone/>
+            </a:pPr>
+            <a:r>
+              <a:t/>
             </a:r>
             <a:endParaRPr sz="1200"/>
           </a:p>
